--- a/assets/docs/fintual.pptx
+++ b/assets/docs/fintual.pptx
@@ -128,6 +128,11 @@
       </a:defRPr>
     </a:lvl9pPr>
   </p:defaultTextStyle>
+  <p:extLst>
+    <p:ext uri="{EFAFB233-063F-42B5-8137-9DF3F51BA10A}">
+      <p15:sldGuideLst xmlns:p15="http://schemas.microsoft.com/office/powerpoint/2012/main"/>
+    </p:ext>
+  </p:extLst>
 </p:presentation>
 </file>
 
@@ -262,7 +267,7 @@
           <a:p>
             <a:fld id="{16F0D578-347E-49D3-B00F-EEE207734530}" type="datetimeFigureOut">
               <a:rPr lang="es-PE" smtClean="0"/>
-              <a:t>12/03/2018</a:t>
+              <a:t>16/03/2018</a:t>
             </a:fld>
             <a:endParaRPr lang="es-PE"/>
           </a:p>
@@ -432,7 +437,7 @@
           <a:p>
             <a:fld id="{16F0D578-347E-49D3-B00F-EEE207734530}" type="datetimeFigureOut">
               <a:rPr lang="es-PE" smtClean="0"/>
-              <a:t>12/03/2018</a:t>
+              <a:t>16/03/2018</a:t>
             </a:fld>
             <a:endParaRPr lang="es-PE"/>
           </a:p>
@@ -612,7 +617,7 @@
           <a:p>
             <a:fld id="{16F0D578-347E-49D3-B00F-EEE207734530}" type="datetimeFigureOut">
               <a:rPr lang="es-PE" smtClean="0"/>
-              <a:t>12/03/2018</a:t>
+              <a:t>16/03/2018</a:t>
             </a:fld>
             <a:endParaRPr lang="es-PE"/>
           </a:p>
@@ -782,7 +787,7 @@
           <a:p>
             <a:fld id="{16F0D578-347E-49D3-B00F-EEE207734530}" type="datetimeFigureOut">
               <a:rPr lang="es-PE" smtClean="0"/>
-              <a:t>12/03/2018</a:t>
+              <a:t>16/03/2018</a:t>
             </a:fld>
             <a:endParaRPr lang="es-PE"/>
           </a:p>
@@ -1028,7 +1033,7 @@
           <a:p>
             <a:fld id="{16F0D578-347E-49D3-B00F-EEE207734530}" type="datetimeFigureOut">
               <a:rPr lang="es-PE" smtClean="0"/>
-              <a:t>12/03/2018</a:t>
+              <a:t>16/03/2018</a:t>
             </a:fld>
             <a:endParaRPr lang="es-PE"/>
           </a:p>
@@ -1260,7 +1265,7 @@
           <a:p>
             <a:fld id="{16F0D578-347E-49D3-B00F-EEE207734530}" type="datetimeFigureOut">
               <a:rPr lang="es-PE" smtClean="0"/>
-              <a:t>12/03/2018</a:t>
+              <a:t>16/03/2018</a:t>
             </a:fld>
             <a:endParaRPr lang="es-PE"/>
           </a:p>
@@ -1627,7 +1632,7 @@
           <a:p>
             <a:fld id="{16F0D578-347E-49D3-B00F-EEE207734530}" type="datetimeFigureOut">
               <a:rPr lang="es-PE" smtClean="0"/>
-              <a:t>12/03/2018</a:t>
+              <a:t>16/03/2018</a:t>
             </a:fld>
             <a:endParaRPr lang="es-PE"/>
           </a:p>
@@ -1745,7 +1750,7 @@
           <a:p>
             <a:fld id="{16F0D578-347E-49D3-B00F-EEE207734530}" type="datetimeFigureOut">
               <a:rPr lang="es-PE" smtClean="0"/>
-              <a:t>12/03/2018</a:t>
+              <a:t>16/03/2018</a:t>
             </a:fld>
             <a:endParaRPr lang="es-PE"/>
           </a:p>
@@ -1840,7 +1845,7 @@
           <a:p>
             <a:fld id="{16F0D578-347E-49D3-B00F-EEE207734530}" type="datetimeFigureOut">
               <a:rPr lang="es-PE" smtClean="0"/>
-              <a:t>12/03/2018</a:t>
+              <a:t>16/03/2018</a:t>
             </a:fld>
             <a:endParaRPr lang="es-PE"/>
           </a:p>
@@ -2117,7 +2122,7 @@
           <a:p>
             <a:fld id="{16F0D578-347E-49D3-B00F-EEE207734530}" type="datetimeFigureOut">
               <a:rPr lang="es-PE" smtClean="0"/>
-              <a:t>12/03/2018</a:t>
+              <a:t>16/03/2018</a:t>
             </a:fld>
             <a:endParaRPr lang="es-PE"/>
           </a:p>
@@ -2370,7 +2375,7 @@
           <a:p>
             <a:fld id="{16F0D578-347E-49D3-B00F-EEE207734530}" type="datetimeFigureOut">
               <a:rPr lang="es-PE" smtClean="0"/>
-              <a:t>12/03/2018</a:t>
+              <a:t>16/03/2018</a:t>
             </a:fld>
             <a:endParaRPr lang="es-PE"/>
           </a:p>
@@ -2583,7 +2588,7 @@
           <a:p>
             <a:fld id="{16F0D578-347E-49D3-B00F-EEE207734530}" type="datetimeFigureOut">
               <a:rPr lang="es-PE" smtClean="0"/>
-              <a:t>12/03/2018</a:t>
+              <a:t>16/03/2018</a:t>
             </a:fld>
             <a:endParaRPr lang="es-PE"/>
           </a:p>
